--- a/folien/01_Einführung.pptx
+++ b/folien/01_Einführung.pptx
@@ -6,10 +6,10 @@
     <p:sldMasterId id="2147485408" r:id="rId2"/>
   </p:sldMasterIdLst>
   <p:notesMasterIdLst>
-    <p:notesMasterId r:id="rId28"/>
+    <p:notesMasterId r:id="rId27"/>
   </p:notesMasterIdLst>
   <p:handoutMasterIdLst>
-    <p:handoutMasterId r:id="rId29"/>
+    <p:handoutMasterId r:id="rId28"/>
   </p:handoutMasterIdLst>
   <p:sldIdLst>
     <p:sldId id="440" r:id="rId3"/>
@@ -33,10 +33,9 @@
     <p:sldId id="609" r:id="rId21"/>
     <p:sldId id="606" r:id="rId22"/>
     <p:sldId id="613" r:id="rId23"/>
-    <p:sldId id="590" r:id="rId24"/>
-    <p:sldId id="615" r:id="rId25"/>
-    <p:sldId id="496" r:id="rId26"/>
-    <p:sldId id="616" r:id="rId27"/>
+    <p:sldId id="615" r:id="rId24"/>
+    <p:sldId id="496" r:id="rId25"/>
+    <p:sldId id="616" r:id="rId26"/>
   </p:sldIdLst>
   <p:sldSz cx="9144000" cy="6858000" type="screen4x3"/>
   <p:notesSz cx="9874250" cy="6797675"/>
@@ -353,7 +352,7 @@
             <a:fld id="{8A090C10-CBC2-46C1-96A6-5B300C7E5F8D}" type="slidenum">
               <a:rPr lang="de-DE" altLang="de-DE"/>
               <a:pPr/>
-              <a:t>‹#›</a:t>
+              <a:t>‹Nr.›</a:t>
             </a:fld>
             <a:endParaRPr lang="de-DE" altLang="de-DE"/>
           </a:p>
@@ -642,7 +641,7 @@
             <a:fld id="{90157F59-6216-46F3-91AD-B5D7290D1FC5}" type="slidenum">
               <a:rPr lang="de-DE" altLang="de-DE"/>
               <a:pPr/>
-              <a:t>‹#›</a:t>
+              <a:t>‹Nr.›</a:t>
             </a:fld>
             <a:endParaRPr lang="de-DE" altLang="de-DE"/>
           </a:p>
@@ -939,7 +938,7 @@
               <a:pPr>
                 <a:defRPr/>
               </a:pPr>
-              <a:t>25</a:t>
+              <a:t>24</a:t>
             </a:fld>
             <a:endParaRPr lang="en-US"/>
           </a:p>
@@ -1552,7 +1551,7 @@
               <a:pPr>
                 <a:defRPr/>
               </a:pPr>
-              <a:t>‹#›</a:t>
+              <a:t>‹Nr.›</a:t>
             </a:fld>
             <a:endParaRPr lang="de-DE" altLang="en-US"/>
           </a:p>
@@ -1618,7 +1617,7 @@
               <a:pPr>
                 <a:defRPr/>
               </a:pPr>
-              <a:t>‹#›</a:t>
+              <a:t>‹Nr.›</a:t>
             </a:fld>
             <a:r>
               <a:rPr lang="de-DE"/>
@@ -1868,7 +1867,7 @@
               <a:pPr>
                 <a:defRPr/>
               </a:pPr>
-              <a:t>‹#›</a:t>
+              <a:t>‹Nr.›</a:t>
             </a:fld>
             <a:endParaRPr lang="de-DE" altLang="en-US"/>
           </a:p>
@@ -2097,7 +2096,7 @@
               <a:pPr>
                 <a:defRPr/>
               </a:pPr>
-              <a:t>‹#›</a:t>
+              <a:t>‹Nr.›</a:t>
             </a:fld>
             <a:endParaRPr lang="de-DE" altLang="en-US"/>
           </a:p>
@@ -2254,7 +2253,7 @@
             <a:fld id="{63CECEBB-547B-4598-95D8-3FB4D608B5D5}" type="slidenum">
               <a:rPr lang="de-DE" smtClean="0"/>
               <a:pPr/>
-              <a:t>‹#›</a:t>
+              <a:t>‹Nr.›</a:t>
             </a:fld>
             <a:endParaRPr lang="de-DE" dirty="0"/>
           </a:p>
@@ -3226,7 +3225,7 @@
               <a:pPr>
                 <a:defRPr/>
               </a:pPr>
-              <a:t>‹#›</a:t>
+              <a:t>‹Nr.›</a:t>
             </a:fld>
             <a:r>
               <a:rPr lang="de-DE"/>
@@ -3622,7 +3621,7 @@
               <a:pPr>
                 <a:defRPr/>
               </a:pPr>
-              <a:t>‹#›</a:t>
+              <a:t>‹Nr.›</a:t>
             </a:fld>
             <a:endParaRPr lang="de-DE" altLang="en-US"/>
           </a:p>
@@ -3778,7 +3777,7 @@
               <a:pPr>
                 <a:defRPr/>
               </a:pPr>
-              <a:t>‹#›</a:t>
+              <a:t>‹Nr.›</a:t>
             </a:fld>
             <a:endParaRPr lang="de-DE" altLang="en-US"/>
           </a:p>
@@ -4036,7 +4035,7 @@
               <a:pPr>
                 <a:defRPr/>
               </a:pPr>
-              <a:t>‹#›</a:t>
+              <a:t>‹Nr.›</a:t>
             </a:fld>
             <a:endParaRPr lang="de-DE" altLang="en-US"/>
           </a:p>
@@ -4434,7 +4433,7 @@
               <a:pPr>
                 <a:defRPr/>
               </a:pPr>
-              <a:t>‹#›</a:t>
+              <a:t>‹Nr.›</a:t>
             </a:fld>
             <a:endParaRPr lang="de-DE" altLang="en-US"/>
           </a:p>
@@ -4995,7 +4994,7 @@
                 </a:solidFill>
               </a:rPr>
               <a:pPr eaLnBrk="1" hangingPunct="1"/>
-              <a:t>‹#›</a:t>
+              <a:t>‹Nr.›</a:t>
             </a:fld>
             <a:endParaRPr lang="de-DE" altLang="de-DE" sz="900">
               <a:solidFill>
@@ -5686,7 +5685,7 @@
               <a:pPr>
                 <a:defRPr/>
               </a:pPr>
-              <a:t>‹#›</a:t>
+              <a:t>‹Nr.›</a:t>
             </a:fld>
             <a:endParaRPr lang="de-DE" altLang="en-US"/>
           </a:p>
@@ -9415,8 +9414,82 @@
           <a:p>
             <a:r>
               <a:rPr lang="de-DE" dirty="0"/>
-              <a:t>Seminarplan (vorläufig)</a:t>
-            </a:r>
+              <a:t>Aufgaben zur Vorbereitung</a:t>
+            </a:r>
+          </a:p>
+        </p:txBody>
+      </p:sp>
+      <p:sp>
+        <p:nvSpPr>
+          <p:cNvPr id="3" name="Inhaltsplatzhalter 2"/>
+          <p:cNvSpPr>
+            <a:spLocks noGrp="1"/>
+          </p:cNvSpPr>
+          <p:nvPr>
+            <p:ph idx="1"/>
+          </p:nvPr>
+        </p:nvSpPr>
+        <p:spPr/>
+        <p:txBody>
+          <a:bodyPr/>
+          <a:lstStyle/>
+          <a:p>
+            <a:r>
+              <a:rPr lang="de-DE" dirty="0"/>
+              <a:t>Laden Sie sich die Seminarliteratur als </a:t>
+            </a:r>
+            <a:r>
+              <a:rPr lang="de-DE" dirty="0" err="1"/>
+              <a:t>ebook</a:t>
+            </a:r>
+            <a:r>
+              <a:rPr lang="de-DE" dirty="0"/>
+              <a:t> über die UB herunter!</a:t>
+            </a:r>
+          </a:p>
+          <a:p>
+            <a:endParaRPr lang="de-DE" dirty="0"/>
+          </a:p>
+          <a:p>
+            <a:r>
+              <a:rPr lang="de-DE" dirty="0"/>
+              <a:t>Lesen Sie den folgenden Text (in </a:t>
+            </a:r>
+            <a:r>
+              <a:rPr lang="de-DE" dirty="0" err="1"/>
+              <a:t>Moodle</a:t>
+            </a:r>
+            <a:r>
+              <a:rPr lang="de-DE" dirty="0"/>
+              <a:t>):</a:t>
+            </a:r>
+          </a:p>
+          <a:p>
+            <a:pPr marL="344487" lvl="1" indent="0">
+              <a:buNone/>
+            </a:pPr>
+            <a:r>
+              <a:rPr lang="de-DE" dirty="0"/>
+              <a:t>Vogel, Peter (1999): Der Theorie-Praxis-Konflikt in der Pädagogik als Deutungsmuster für den Studienalltag – oder Was lernt man eigentlich im wissenschaftlichen Studium? </a:t>
+            </a:r>
+            <a:r>
+              <a:rPr lang="de-DE" i="1" dirty="0"/>
+              <a:t>Pädagogischer Blick, 7</a:t>
+            </a:r>
+            <a:r>
+              <a:rPr lang="de-DE" dirty="0"/>
+              <a:t>(1), 34-40.</a:t>
+            </a:r>
+          </a:p>
+          <a:p>
+            <a:pPr lvl="1"/>
+            <a:endParaRPr lang="de-DE" dirty="0"/>
+          </a:p>
+          <a:p>
+            <a:endParaRPr lang="de-DE" dirty="0"/>
+          </a:p>
+          <a:p>
+            <a:endParaRPr lang="de-DE" dirty="0"/>
           </a:p>
         </p:txBody>
       </p:sp>
@@ -9444,1947 +9517,6 @@
                 <a:defRPr/>
               </a:pPr>
               <a:t>22</a:t>
-            </a:fld>
-            <a:endParaRPr lang="de-DE" altLang="en-US"/>
-          </a:p>
-        </p:txBody>
-      </p:sp>
-      <p:graphicFrame>
-        <p:nvGraphicFramePr>
-          <p:cNvPr id="6" name="Tabelle 5"/>
-          <p:cNvGraphicFramePr>
-            <a:graphicFrameLocks noGrp="1"/>
-          </p:cNvGraphicFramePr>
-          <p:nvPr>
-            <p:extLst>
-              <p:ext uri="{D42A27DB-BD31-4B8C-83A1-F6EECF244321}">
-                <p14:modId xmlns:p14="http://schemas.microsoft.com/office/powerpoint/2010/main" val="3583819634"/>
-              </p:ext>
-            </p:extLst>
-          </p:nvPr>
-        </p:nvGraphicFramePr>
-        <p:xfrm>
-          <a:off x="450000" y="1213487"/>
-          <a:ext cx="8236800" cy="4860000"/>
-        </p:xfrm>
-        <a:graphic>
-          <a:graphicData uri="http://schemas.openxmlformats.org/drawingml/2006/table">
-            <a:tbl>
-              <a:tblPr firstRow="1" bandRow="1">
-                <a:tableStyleId>{5C22544A-7EE6-4342-B048-85BDC9FD1C3A}</a:tableStyleId>
-              </a:tblPr>
-              <a:tblGrid>
-                <a:gridCol w="972400">
-                  <a:extLst>
-                    <a:ext uri="{9D8B030D-6E8A-4147-A177-3AD203B41FA5}">
-                      <a16:colId xmlns:a16="http://schemas.microsoft.com/office/drawing/2014/main" val="1292335670"/>
-                    </a:ext>
-                  </a:extLst>
-                </a:gridCol>
-                <a:gridCol w="1371600">
-                  <a:extLst>
-                    <a:ext uri="{9D8B030D-6E8A-4147-A177-3AD203B41FA5}">
-                      <a16:colId xmlns:a16="http://schemas.microsoft.com/office/drawing/2014/main" val="3095342147"/>
-                    </a:ext>
-                  </a:extLst>
-                </a:gridCol>
-                <a:gridCol w="5892800">
-                  <a:extLst>
-                    <a:ext uri="{9D8B030D-6E8A-4147-A177-3AD203B41FA5}">
-                      <a16:colId xmlns:a16="http://schemas.microsoft.com/office/drawing/2014/main" val="1844241231"/>
-                    </a:ext>
-                  </a:extLst>
-                </a:gridCol>
-              </a:tblGrid>
-              <a:tr h="0">
-                <a:tc>
-                  <a:txBody>
-                    <a:bodyPr/>
-                    <a:lstStyle/>
-                    <a:p>
-                      <a:pPr algn="ctr">
-                        <a:lnSpc>
-                          <a:spcPct val="100000"/>
-                        </a:lnSpc>
-                      </a:pPr>
-                      <a:r>
-                        <a:rPr lang="de-DE" sz="1400" dirty="0"/>
-                        <a:t>Datum</a:t>
-                      </a:r>
-                    </a:p>
-                  </a:txBody>
-                  <a:tcPr/>
-                </a:tc>
-                <a:tc>
-                  <a:txBody>
-                    <a:bodyPr/>
-                    <a:lstStyle/>
-                    <a:p>
-                      <a:pPr algn="ctr">
-                        <a:lnSpc>
-                          <a:spcPct val="100000"/>
-                        </a:lnSpc>
-                      </a:pPr>
-                      <a:r>
-                        <a:rPr lang="de-DE" sz="1400" dirty="0"/>
-                        <a:t>Form</a:t>
-                      </a:r>
-                    </a:p>
-                  </a:txBody>
-                  <a:tcPr/>
-                </a:tc>
-                <a:tc>
-                  <a:txBody>
-                    <a:bodyPr/>
-                    <a:lstStyle/>
-                    <a:p>
-                      <a:pPr algn="ctr">
-                        <a:lnSpc>
-                          <a:spcPct val="100000"/>
-                        </a:lnSpc>
-                      </a:pPr>
-                      <a:r>
-                        <a:rPr lang="de-DE" sz="1400" dirty="0"/>
-                        <a:t>Thema</a:t>
-                      </a:r>
-                    </a:p>
-                  </a:txBody>
-                  <a:tcPr/>
-                </a:tc>
-                <a:extLst>
-                  <a:ext uri="{0D108BD9-81ED-4DB2-BD59-A6C34878D82A}">
-                    <a16:rowId xmlns:a16="http://schemas.microsoft.com/office/drawing/2014/main" val="627289820"/>
-                  </a:ext>
-                </a:extLst>
-              </a:tr>
-              <a:tr h="0">
-                <a:tc>
-                  <a:txBody>
-                    <a:bodyPr/>
-                    <a:lstStyle/>
-                    <a:p>
-                      <a:pPr algn="ctr">
-                        <a:lnSpc>
-                          <a:spcPct val="107000"/>
-                        </a:lnSpc>
-                        <a:spcAft>
-                          <a:spcPts val="0"/>
-                        </a:spcAft>
-                      </a:pPr>
-                      <a:r>
-                        <a:rPr lang="de-DE" sz="1400" dirty="0">
-                          <a:effectLst/>
-                        </a:rPr>
-                        <a:t>12.10.21</a:t>
-                      </a:r>
-                      <a:endParaRPr lang="de-DE" sz="1800" dirty="0">
-                        <a:effectLst/>
-                        <a:latin typeface="Calibri" panose="020F0502020204030204" pitchFamily="34" charset="0"/>
-                        <a:ea typeface="Calibri" panose="020F0502020204030204" pitchFamily="34" charset="0"/>
-                        <a:cs typeface="Times New Roman" panose="02020603050405020304" pitchFamily="18" charset="0"/>
-                      </a:endParaRPr>
-                    </a:p>
-                  </a:txBody>
-                  <a:tcPr marL="68580" marR="68580" marT="0" marB="0" anchor="ctr"/>
-                </a:tc>
-                <a:tc>
-                  <a:txBody>
-                    <a:bodyPr/>
-                    <a:lstStyle/>
-                    <a:p>
-                      <a:pPr>
-                        <a:lnSpc>
-                          <a:spcPct val="100000"/>
-                        </a:lnSpc>
-                      </a:pPr>
-                      <a:r>
-                        <a:rPr lang="de-DE" sz="1400" dirty="0"/>
-                        <a:t>Digital</a:t>
-                      </a:r>
-                      <a:r>
-                        <a:rPr lang="de-DE" sz="1400" baseline="0" dirty="0"/>
-                        <a:t> (Zoom)</a:t>
-                      </a:r>
-                      <a:endParaRPr lang="de-DE" sz="1400" dirty="0"/>
-                    </a:p>
-                  </a:txBody>
-                  <a:tcPr/>
-                </a:tc>
-                <a:tc>
-                  <a:txBody>
-                    <a:bodyPr/>
-                    <a:lstStyle/>
-                    <a:p>
-                      <a:pPr>
-                        <a:lnSpc>
-                          <a:spcPct val="107000"/>
-                        </a:lnSpc>
-                        <a:spcAft>
-                          <a:spcPts val="0"/>
-                        </a:spcAft>
-                      </a:pPr>
-                      <a:r>
-                        <a:rPr lang="de-DE" sz="1400">
-                          <a:effectLst/>
-                          <a:latin typeface="Arial" panose="020B0604020202020204" pitchFamily="34" charset="0"/>
-                          <a:ea typeface="Calibri" panose="020F0502020204030204" pitchFamily="34" charset="0"/>
-                          <a:cs typeface="Times New Roman" panose="02020603050405020304" pitchFamily="18" charset="0"/>
-                        </a:rPr>
-                        <a:t>Einführung</a:t>
-                      </a:r>
-                      <a:endParaRPr lang="de-DE" sz="1800">
-                        <a:effectLst/>
-                        <a:latin typeface="Calibri" panose="020F0502020204030204" pitchFamily="34" charset="0"/>
-                        <a:ea typeface="Calibri" panose="020F0502020204030204" pitchFamily="34" charset="0"/>
-                        <a:cs typeface="Times New Roman" panose="02020603050405020304" pitchFamily="18" charset="0"/>
-                      </a:endParaRPr>
-                    </a:p>
-                  </a:txBody>
-                  <a:tcPr marL="68580" marR="68580" marT="0" marB="0" anchor="ctr"/>
-                </a:tc>
-                <a:extLst>
-                  <a:ext uri="{0D108BD9-81ED-4DB2-BD59-A6C34878D82A}">
-                    <a16:rowId xmlns:a16="http://schemas.microsoft.com/office/drawing/2014/main" val="1635773657"/>
-                  </a:ext>
-                </a:extLst>
-              </a:tr>
-              <a:tr h="0">
-                <a:tc>
-                  <a:txBody>
-                    <a:bodyPr/>
-                    <a:lstStyle/>
-                    <a:p>
-                      <a:pPr algn="ctr">
-                        <a:lnSpc>
-                          <a:spcPct val="107000"/>
-                        </a:lnSpc>
-                        <a:spcAft>
-                          <a:spcPts val="0"/>
-                        </a:spcAft>
-                      </a:pPr>
-                      <a:r>
-                        <a:rPr lang="de-DE" sz="1400" dirty="0">
-                          <a:effectLst/>
-                        </a:rPr>
-                        <a:t>19.10.21</a:t>
-                      </a:r>
-                      <a:endParaRPr lang="de-DE" sz="1800" dirty="0">
-                        <a:effectLst/>
-                        <a:latin typeface="Calibri" panose="020F0502020204030204" pitchFamily="34" charset="0"/>
-                        <a:ea typeface="Calibri" panose="020F0502020204030204" pitchFamily="34" charset="0"/>
-                        <a:cs typeface="Times New Roman" panose="02020603050405020304" pitchFamily="18" charset="0"/>
-                      </a:endParaRPr>
-                    </a:p>
-                  </a:txBody>
-                  <a:tcPr marL="68580" marR="68580" marT="0" marB="0" anchor="ctr"/>
-                </a:tc>
-                <a:tc>
-                  <a:txBody>
-                    <a:bodyPr/>
-                    <a:lstStyle/>
-                    <a:p>
-                      <a:pPr>
-                        <a:lnSpc>
-                          <a:spcPct val="100000"/>
-                        </a:lnSpc>
-                      </a:pPr>
-                      <a:r>
-                        <a:rPr lang="de-DE" sz="1400" baseline="0" dirty="0"/>
-                        <a:t>Präsenz</a:t>
-                      </a:r>
-                    </a:p>
-                  </a:txBody>
-                  <a:tcPr/>
-                </a:tc>
-                <a:tc>
-                  <a:txBody>
-                    <a:bodyPr/>
-                    <a:lstStyle/>
-                    <a:p>
-                      <a:pPr>
-                        <a:lnSpc>
-                          <a:spcPct val="107000"/>
-                        </a:lnSpc>
-                        <a:spcAft>
-                          <a:spcPts val="0"/>
-                        </a:spcAft>
-                      </a:pPr>
-                      <a:r>
-                        <a:rPr lang="de-DE" sz="1400">
-                          <a:effectLst/>
-                          <a:latin typeface="Arial" panose="020B0604020202020204" pitchFamily="34" charset="0"/>
-                          <a:ea typeface="Calibri" panose="020F0502020204030204" pitchFamily="34" charset="0"/>
-                          <a:cs typeface="Times New Roman" panose="02020603050405020304" pitchFamily="18" charset="0"/>
-                        </a:rPr>
-                        <a:t>Identifikation pädagogischer Textarten &amp; Methoden der Texterschließung</a:t>
-                      </a:r>
-                      <a:endParaRPr lang="de-DE" sz="1800">
-                        <a:effectLst/>
-                        <a:latin typeface="Calibri" panose="020F0502020204030204" pitchFamily="34" charset="0"/>
-                        <a:ea typeface="Calibri" panose="020F0502020204030204" pitchFamily="34" charset="0"/>
-                        <a:cs typeface="Times New Roman" panose="02020603050405020304" pitchFamily="18" charset="0"/>
-                      </a:endParaRPr>
-                    </a:p>
-                  </a:txBody>
-                  <a:tcPr marL="68580" marR="68580" marT="0" marB="0" anchor="ctr"/>
-                </a:tc>
-                <a:extLst>
-                  <a:ext uri="{0D108BD9-81ED-4DB2-BD59-A6C34878D82A}">
-                    <a16:rowId xmlns:a16="http://schemas.microsoft.com/office/drawing/2014/main" val="1533228083"/>
-                  </a:ext>
-                </a:extLst>
-              </a:tr>
-              <a:tr h="0">
-                <a:tc>
-                  <a:txBody>
-                    <a:bodyPr/>
-                    <a:lstStyle/>
-                    <a:p>
-                      <a:pPr algn="ctr">
-                        <a:lnSpc>
-                          <a:spcPct val="107000"/>
-                        </a:lnSpc>
-                        <a:spcAft>
-                          <a:spcPts val="0"/>
-                        </a:spcAft>
-                      </a:pPr>
-                      <a:r>
-                        <a:rPr lang="de-DE" sz="1400" dirty="0">
-                          <a:effectLst/>
-                        </a:rPr>
-                        <a:t>26.10.21</a:t>
-                      </a:r>
-                      <a:endParaRPr lang="de-DE" sz="1800" dirty="0">
-                        <a:effectLst/>
-                        <a:latin typeface="Calibri" panose="020F0502020204030204" pitchFamily="34" charset="0"/>
-                        <a:ea typeface="Calibri" panose="020F0502020204030204" pitchFamily="34" charset="0"/>
-                        <a:cs typeface="Times New Roman" panose="02020603050405020304" pitchFamily="18" charset="0"/>
-                      </a:endParaRPr>
-                    </a:p>
-                  </a:txBody>
-                  <a:tcPr marL="68580" marR="68580" marT="0" marB="0" anchor="ctr"/>
-                </a:tc>
-                <a:tc>
-                  <a:txBody>
-                    <a:bodyPr/>
-                    <a:lstStyle/>
-                    <a:p>
-                      <a:pPr marL="0" marR="0" lvl="0" indent="0" algn="l" defTabSz="914400" rtl="0" eaLnBrk="1" fontAlgn="auto" latinLnBrk="0" hangingPunct="1">
-                        <a:lnSpc>
-                          <a:spcPct val="100000"/>
-                        </a:lnSpc>
-                        <a:spcBef>
-                          <a:spcPts val="0"/>
-                        </a:spcBef>
-                        <a:spcAft>
-                          <a:spcPts val="0"/>
-                        </a:spcAft>
-                        <a:buClrTx/>
-                        <a:buSzTx/>
-                        <a:buFontTx/>
-                        <a:buNone/>
-                        <a:tabLst/>
-                        <a:defRPr/>
-                      </a:pPr>
-                      <a:r>
-                        <a:rPr kumimoji="0" lang="de-DE" sz="1400" b="0" i="0" u="none" strike="noStrike" kern="1200" cap="none" spc="0" normalizeH="0" baseline="0" noProof="0" dirty="0">
-                          <a:ln>
-                            <a:noFill/>
-                          </a:ln>
-                          <a:solidFill>
-                            <a:srgbClr val="000000"/>
-                          </a:solidFill>
-                          <a:effectLst/>
-                          <a:uLnTx/>
-                          <a:uFillTx/>
-                          <a:latin typeface="Arial"/>
-                          <a:ea typeface="+mn-ea"/>
-                          <a:cs typeface="+mn-cs"/>
-                        </a:rPr>
-                        <a:t>Präsenz</a:t>
-                      </a:r>
-                    </a:p>
-                  </a:txBody>
-                  <a:tcPr/>
-                </a:tc>
-                <a:tc>
-                  <a:txBody>
-                    <a:bodyPr/>
-                    <a:lstStyle/>
-                    <a:p>
-                      <a:pPr>
-                        <a:lnSpc>
-                          <a:spcPct val="107000"/>
-                        </a:lnSpc>
-                        <a:spcAft>
-                          <a:spcPts val="0"/>
-                        </a:spcAft>
-                      </a:pPr>
-                      <a:r>
-                        <a:rPr lang="de-DE" sz="1400">
-                          <a:effectLst/>
-                          <a:latin typeface="Arial" panose="020B0604020202020204" pitchFamily="34" charset="0"/>
-                          <a:ea typeface="Calibri" panose="020F0502020204030204" pitchFamily="34" charset="0"/>
-                          <a:cs typeface="Times New Roman" panose="02020603050405020304" pitchFamily="18" charset="0"/>
-                        </a:rPr>
-                        <a:t>Wissenschaftstheorie</a:t>
-                      </a:r>
-                      <a:endParaRPr lang="de-DE" sz="1800">
-                        <a:effectLst/>
-                        <a:latin typeface="Calibri" panose="020F0502020204030204" pitchFamily="34" charset="0"/>
-                        <a:ea typeface="Calibri" panose="020F0502020204030204" pitchFamily="34" charset="0"/>
-                        <a:cs typeface="Times New Roman" panose="02020603050405020304" pitchFamily="18" charset="0"/>
-                      </a:endParaRPr>
-                    </a:p>
-                  </a:txBody>
-                  <a:tcPr marL="68580" marR="68580" marT="0" marB="0" anchor="ctr"/>
-                </a:tc>
-                <a:extLst>
-                  <a:ext uri="{0D108BD9-81ED-4DB2-BD59-A6C34878D82A}">
-                    <a16:rowId xmlns:a16="http://schemas.microsoft.com/office/drawing/2014/main" val="970786126"/>
-                  </a:ext>
-                </a:extLst>
-              </a:tr>
-              <a:tr h="0">
-                <a:tc>
-                  <a:txBody>
-                    <a:bodyPr/>
-                    <a:lstStyle/>
-                    <a:p>
-                      <a:pPr algn="ctr">
-                        <a:lnSpc>
-                          <a:spcPct val="107000"/>
-                        </a:lnSpc>
-                        <a:spcAft>
-                          <a:spcPts val="0"/>
-                        </a:spcAft>
-                      </a:pPr>
-                      <a:r>
-                        <a:rPr lang="de-DE" sz="1400" dirty="0">
-                          <a:effectLst/>
-                        </a:rPr>
-                        <a:t>02.11.21</a:t>
-                      </a:r>
-                      <a:endParaRPr lang="de-DE" sz="1800" dirty="0">
-                        <a:effectLst/>
-                        <a:latin typeface="Calibri" panose="020F0502020204030204" pitchFamily="34" charset="0"/>
-                        <a:ea typeface="Calibri" panose="020F0502020204030204" pitchFamily="34" charset="0"/>
-                        <a:cs typeface="Times New Roman" panose="02020603050405020304" pitchFamily="18" charset="0"/>
-                      </a:endParaRPr>
-                    </a:p>
-                  </a:txBody>
-                  <a:tcPr marL="68580" marR="68580" marT="0" marB="0" anchor="ctr"/>
-                </a:tc>
-                <a:tc>
-                  <a:txBody>
-                    <a:bodyPr/>
-                    <a:lstStyle/>
-                    <a:p>
-                      <a:pPr marL="0" marR="0" lvl="0" indent="0" algn="l" defTabSz="914400" rtl="0" eaLnBrk="1" fontAlgn="auto" latinLnBrk="0" hangingPunct="1">
-                        <a:lnSpc>
-                          <a:spcPct val="100000"/>
-                        </a:lnSpc>
-                        <a:spcBef>
-                          <a:spcPts val="0"/>
-                        </a:spcBef>
-                        <a:spcAft>
-                          <a:spcPts val="0"/>
-                        </a:spcAft>
-                        <a:buClrTx/>
-                        <a:buSzTx/>
-                        <a:buFontTx/>
-                        <a:buNone/>
-                        <a:tabLst/>
-                        <a:defRPr/>
-                      </a:pPr>
-                      <a:r>
-                        <a:rPr kumimoji="0" lang="de-DE" sz="1400" b="0" i="0" u="none" strike="noStrike" kern="1200" cap="none" spc="0" normalizeH="0" baseline="0" noProof="0">
-                          <a:ln>
-                            <a:noFill/>
-                          </a:ln>
-                          <a:solidFill>
-                            <a:srgbClr val="000000"/>
-                          </a:solidFill>
-                          <a:effectLst/>
-                          <a:uLnTx/>
-                          <a:uFillTx/>
-                          <a:latin typeface="Arial"/>
-                          <a:ea typeface="+mn-ea"/>
-                          <a:cs typeface="+mn-cs"/>
-                        </a:rPr>
-                        <a:t>Präsenz</a:t>
-                      </a:r>
-                      <a:endParaRPr kumimoji="0" lang="de-DE" sz="1400" b="0" i="0" u="none" strike="noStrike" kern="1200" cap="none" spc="0" normalizeH="0" baseline="0" noProof="0" dirty="0">
-                        <a:ln>
-                          <a:noFill/>
-                        </a:ln>
-                        <a:solidFill>
-                          <a:srgbClr val="000000"/>
-                        </a:solidFill>
-                        <a:effectLst/>
-                        <a:uLnTx/>
-                        <a:uFillTx/>
-                        <a:latin typeface="Arial"/>
-                        <a:ea typeface="+mn-ea"/>
-                        <a:cs typeface="+mn-cs"/>
-                      </a:endParaRPr>
-                    </a:p>
-                  </a:txBody>
-                  <a:tcPr/>
-                </a:tc>
-                <a:tc>
-                  <a:txBody>
-                    <a:bodyPr/>
-                    <a:lstStyle/>
-                    <a:p>
-                      <a:pPr>
-                        <a:lnSpc>
-                          <a:spcPct val="107000"/>
-                        </a:lnSpc>
-                        <a:spcAft>
-                          <a:spcPts val="0"/>
-                        </a:spcAft>
-                      </a:pPr>
-                      <a:r>
-                        <a:rPr lang="de-DE" sz="1400">
-                          <a:effectLst/>
-                          <a:latin typeface="Arial" panose="020B0604020202020204" pitchFamily="34" charset="0"/>
-                          <a:ea typeface="Calibri" panose="020F0502020204030204" pitchFamily="34" charset="0"/>
-                          <a:cs typeface="Times New Roman" panose="02020603050405020304" pitchFamily="18" charset="0"/>
-                        </a:rPr>
-                        <a:t>Literaturrecherche</a:t>
-                      </a:r>
-                      <a:endParaRPr lang="de-DE" sz="1800">
-                        <a:effectLst/>
-                        <a:latin typeface="Calibri" panose="020F0502020204030204" pitchFamily="34" charset="0"/>
-                        <a:ea typeface="Calibri" panose="020F0502020204030204" pitchFamily="34" charset="0"/>
-                        <a:cs typeface="Times New Roman" panose="02020603050405020304" pitchFamily="18" charset="0"/>
-                      </a:endParaRPr>
-                    </a:p>
-                  </a:txBody>
-                  <a:tcPr marL="68580" marR="68580" marT="0" marB="0" anchor="ctr"/>
-                </a:tc>
-                <a:extLst>
-                  <a:ext uri="{0D108BD9-81ED-4DB2-BD59-A6C34878D82A}">
-                    <a16:rowId xmlns:a16="http://schemas.microsoft.com/office/drawing/2014/main" val="3497173745"/>
-                  </a:ext>
-                </a:extLst>
-              </a:tr>
-              <a:tr h="0">
-                <a:tc>
-                  <a:txBody>
-                    <a:bodyPr/>
-                    <a:lstStyle/>
-                    <a:p>
-                      <a:pPr algn="ctr">
-                        <a:lnSpc>
-                          <a:spcPct val="107000"/>
-                        </a:lnSpc>
-                        <a:spcAft>
-                          <a:spcPts val="0"/>
-                        </a:spcAft>
-                      </a:pPr>
-                      <a:r>
-                        <a:rPr lang="de-DE" sz="1400" dirty="0">
-                          <a:effectLst/>
-                        </a:rPr>
-                        <a:t>09.11.21</a:t>
-                      </a:r>
-                      <a:endParaRPr lang="de-DE" sz="1800" dirty="0">
-                        <a:effectLst/>
-                        <a:latin typeface="Calibri" panose="020F0502020204030204" pitchFamily="34" charset="0"/>
-                        <a:ea typeface="Calibri" panose="020F0502020204030204" pitchFamily="34" charset="0"/>
-                        <a:cs typeface="Times New Roman" panose="02020603050405020304" pitchFamily="18" charset="0"/>
-                      </a:endParaRPr>
-                    </a:p>
-                  </a:txBody>
-                  <a:tcPr marL="68580" marR="68580" marT="0" marB="0" anchor="ctr"/>
-                </a:tc>
-                <a:tc>
-                  <a:txBody>
-                    <a:bodyPr/>
-                    <a:lstStyle/>
-                    <a:p>
-                      <a:pPr marL="0" marR="0" lvl="0" indent="0" algn="l" defTabSz="914400" rtl="0" eaLnBrk="1" fontAlgn="auto" latinLnBrk="0" hangingPunct="1">
-                        <a:lnSpc>
-                          <a:spcPct val="100000"/>
-                        </a:lnSpc>
-                        <a:spcBef>
-                          <a:spcPts val="0"/>
-                        </a:spcBef>
-                        <a:spcAft>
-                          <a:spcPts val="0"/>
-                        </a:spcAft>
-                        <a:buClrTx/>
-                        <a:buSzTx/>
-                        <a:buFontTx/>
-                        <a:buNone/>
-                        <a:tabLst/>
-                        <a:defRPr/>
-                      </a:pPr>
-                      <a:r>
-                        <a:rPr kumimoji="0" lang="de-DE" sz="1400" b="0" i="0" u="none" strike="noStrike" kern="1200" cap="none" spc="0" normalizeH="0" baseline="0" noProof="0">
-                          <a:ln>
-                            <a:noFill/>
-                          </a:ln>
-                          <a:solidFill>
-                            <a:srgbClr val="000000"/>
-                          </a:solidFill>
-                          <a:effectLst/>
-                          <a:uLnTx/>
-                          <a:uFillTx/>
-                          <a:latin typeface="Arial"/>
-                          <a:ea typeface="+mn-ea"/>
-                          <a:cs typeface="+mn-cs"/>
-                        </a:rPr>
-                        <a:t>Präsenz</a:t>
-                      </a:r>
-                      <a:endParaRPr kumimoji="0" lang="de-DE" sz="1400" b="0" i="0" u="none" strike="noStrike" kern="1200" cap="none" spc="0" normalizeH="0" baseline="0" noProof="0" dirty="0">
-                        <a:ln>
-                          <a:noFill/>
-                        </a:ln>
-                        <a:solidFill>
-                          <a:srgbClr val="000000"/>
-                        </a:solidFill>
-                        <a:effectLst/>
-                        <a:uLnTx/>
-                        <a:uFillTx/>
-                        <a:latin typeface="Arial"/>
-                        <a:ea typeface="+mn-ea"/>
-                        <a:cs typeface="+mn-cs"/>
-                      </a:endParaRPr>
-                    </a:p>
-                  </a:txBody>
-                  <a:tcPr/>
-                </a:tc>
-                <a:tc>
-                  <a:txBody>
-                    <a:bodyPr/>
-                    <a:lstStyle/>
-                    <a:p>
-                      <a:pPr>
-                        <a:lnSpc>
-                          <a:spcPct val="107000"/>
-                        </a:lnSpc>
-                        <a:spcAft>
-                          <a:spcPts val="0"/>
-                        </a:spcAft>
-                      </a:pPr>
-                      <a:r>
-                        <a:rPr lang="de-DE" sz="1400">
-                          <a:effectLst/>
-                          <a:latin typeface="Arial" panose="020B0604020202020204" pitchFamily="34" charset="0"/>
-                          <a:ea typeface="Calibri" panose="020F0502020204030204" pitchFamily="34" charset="0"/>
-                          <a:cs typeface="Times New Roman" panose="02020603050405020304" pitchFamily="18" charset="0"/>
-                        </a:rPr>
-                        <a:t>Literaturverwaltung &amp; Zitation</a:t>
-                      </a:r>
-                      <a:endParaRPr lang="de-DE" sz="1800">
-                        <a:effectLst/>
-                        <a:latin typeface="Calibri" panose="020F0502020204030204" pitchFamily="34" charset="0"/>
-                        <a:ea typeface="Calibri" panose="020F0502020204030204" pitchFamily="34" charset="0"/>
-                        <a:cs typeface="Times New Roman" panose="02020603050405020304" pitchFamily="18" charset="0"/>
-                      </a:endParaRPr>
-                    </a:p>
-                  </a:txBody>
-                  <a:tcPr marL="68580" marR="68580" marT="0" marB="0" anchor="ctr"/>
-                </a:tc>
-                <a:extLst>
-                  <a:ext uri="{0D108BD9-81ED-4DB2-BD59-A6C34878D82A}">
-                    <a16:rowId xmlns:a16="http://schemas.microsoft.com/office/drawing/2014/main" val="3068571133"/>
-                  </a:ext>
-                </a:extLst>
-              </a:tr>
-              <a:tr h="0">
-                <a:tc>
-                  <a:txBody>
-                    <a:bodyPr/>
-                    <a:lstStyle/>
-                    <a:p>
-                      <a:pPr algn="ctr">
-                        <a:lnSpc>
-                          <a:spcPct val="107000"/>
-                        </a:lnSpc>
-                        <a:spcAft>
-                          <a:spcPts val="0"/>
-                        </a:spcAft>
-                      </a:pPr>
-                      <a:r>
-                        <a:rPr lang="de-DE" sz="1400" dirty="0">
-                          <a:effectLst/>
-                        </a:rPr>
-                        <a:t>16.11.21</a:t>
-                      </a:r>
-                      <a:endParaRPr lang="de-DE" sz="1800" dirty="0">
-                        <a:effectLst/>
-                        <a:latin typeface="Calibri" panose="020F0502020204030204" pitchFamily="34" charset="0"/>
-                        <a:ea typeface="Calibri" panose="020F0502020204030204" pitchFamily="34" charset="0"/>
-                        <a:cs typeface="Times New Roman" panose="02020603050405020304" pitchFamily="18" charset="0"/>
-                      </a:endParaRPr>
-                    </a:p>
-                  </a:txBody>
-                  <a:tcPr marL="68580" marR="68580" marT="0" marB="0" anchor="ctr"/>
-                </a:tc>
-                <a:tc>
-                  <a:txBody>
-                    <a:bodyPr/>
-                    <a:lstStyle/>
-                    <a:p>
-                      <a:pPr marL="0" marR="0" lvl="0" indent="0" algn="l" defTabSz="914400" rtl="0" eaLnBrk="1" fontAlgn="auto" latinLnBrk="0" hangingPunct="1">
-                        <a:lnSpc>
-                          <a:spcPct val="100000"/>
-                        </a:lnSpc>
-                        <a:spcBef>
-                          <a:spcPts val="0"/>
-                        </a:spcBef>
-                        <a:spcAft>
-                          <a:spcPts val="0"/>
-                        </a:spcAft>
-                        <a:buClrTx/>
-                        <a:buSzTx/>
-                        <a:buFontTx/>
-                        <a:buNone/>
-                        <a:tabLst/>
-                        <a:defRPr/>
-                      </a:pPr>
-                      <a:r>
-                        <a:rPr kumimoji="0" lang="de-DE" sz="1400" b="0" i="0" u="none" strike="noStrike" kern="1200" cap="none" spc="0" normalizeH="0" baseline="0" noProof="0">
-                          <a:ln>
-                            <a:noFill/>
-                          </a:ln>
-                          <a:solidFill>
-                            <a:srgbClr val="000000"/>
-                          </a:solidFill>
-                          <a:effectLst/>
-                          <a:uLnTx/>
-                          <a:uFillTx/>
-                          <a:latin typeface="Arial"/>
-                          <a:ea typeface="+mn-ea"/>
-                          <a:cs typeface="+mn-cs"/>
-                        </a:rPr>
-                        <a:t>Präsenz</a:t>
-                      </a:r>
-                      <a:endParaRPr kumimoji="0" lang="de-DE" sz="1400" b="0" i="0" u="none" strike="noStrike" kern="1200" cap="none" spc="0" normalizeH="0" baseline="0" noProof="0" dirty="0">
-                        <a:ln>
-                          <a:noFill/>
-                        </a:ln>
-                        <a:solidFill>
-                          <a:srgbClr val="000000"/>
-                        </a:solidFill>
-                        <a:effectLst/>
-                        <a:uLnTx/>
-                        <a:uFillTx/>
-                        <a:latin typeface="Arial"/>
-                        <a:ea typeface="+mn-ea"/>
-                        <a:cs typeface="+mn-cs"/>
-                      </a:endParaRPr>
-                    </a:p>
-                  </a:txBody>
-                  <a:tcPr/>
-                </a:tc>
-                <a:tc>
-                  <a:txBody>
-                    <a:bodyPr/>
-                    <a:lstStyle/>
-                    <a:p>
-                      <a:pPr>
-                        <a:spcAft>
-                          <a:spcPts val="0"/>
-                        </a:spcAft>
-                      </a:pPr>
-                      <a:r>
-                        <a:rPr lang="de-DE" sz="1400" kern="1200">
-                          <a:solidFill>
-                            <a:srgbClr val="000000"/>
-                          </a:solidFill>
-                          <a:effectLst/>
-                          <a:latin typeface="Arial" panose="020B0604020202020204" pitchFamily="34" charset="0"/>
-                          <a:ea typeface="Times New Roman" panose="02020603050405020304" pitchFamily="18" charset="0"/>
-                          <a:cs typeface="Times New Roman" panose="02020603050405020304" pitchFamily="18" charset="0"/>
-                        </a:rPr>
-                        <a:t>Grundlagen der Hermeneutik</a:t>
-                      </a:r>
-                      <a:r>
-                        <a:rPr lang="de-DE" sz="1400" b="1" kern="1200">
-                          <a:solidFill>
-                            <a:srgbClr val="FFFFFF"/>
-                          </a:solidFill>
-                          <a:effectLst/>
-                          <a:latin typeface="Arial" panose="020B0604020202020204" pitchFamily="34" charset="0"/>
-                          <a:ea typeface="Times New Roman" panose="02020603050405020304" pitchFamily="18" charset="0"/>
-                          <a:cs typeface="Times New Roman" panose="02020603050405020304" pitchFamily="18" charset="0"/>
-                        </a:rPr>
-                        <a:t> 1</a:t>
-                      </a:r>
-                      <a:endParaRPr lang="de-DE" sz="1800">
-                        <a:effectLst/>
-                        <a:latin typeface="Calibri" panose="020F0502020204030204" pitchFamily="34" charset="0"/>
-                        <a:ea typeface="Times New Roman" panose="02020603050405020304" pitchFamily="18" charset="0"/>
-                        <a:cs typeface="Times New Roman" panose="02020603050405020304" pitchFamily="18" charset="0"/>
-                      </a:endParaRPr>
-                    </a:p>
-                  </a:txBody>
-                  <a:tcPr marL="68580" marR="68580" marT="0" marB="0" anchor="ctr"/>
-                </a:tc>
-                <a:extLst>
-                  <a:ext uri="{0D108BD9-81ED-4DB2-BD59-A6C34878D82A}">
-                    <a16:rowId xmlns:a16="http://schemas.microsoft.com/office/drawing/2014/main" val="1363168384"/>
-                  </a:ext>
-                </a:extLst>
-              </a:tr>
-              <a:tr h="288000">
-                <a:tc>
-                  <a:txBody>
-                    <a:bodyPr/>
-                    <a:lstStyle/>
-                    <a:p>
-                      <a:pPr algn="ctr">
-                        <a:lnSpc>
-                          <a:spcPct val="107000"/>
-                        </a:lnSpc>
-                        <a:spcAft>
-                          <a:spcPts val="0"/>
-                        </a:spcAft>
-                      </a:pPr>
-                      <a:r>
-                        <a:rPr lang="de-DE" sz="1400" dirty="0">
-                          <a:effectLst/>
-                        </a:rPr>
-                        <a:t>23.11.21</a:t>
-                      </a:r>
-                      <a:endParaRPr lang="de-DE" sz="1800" dirty="0">
-                        <a:effectLst/>
-                        <a:latin typeface="Calibri" panose="020F0502020204030204" pitchFamily="34" charset="0"/>
-                        <a:ea typeface="Calibri" panose="020F0502020204030204" pitchFamily="34" charset="0"/>
-                        <a:cs typeface="Times New Roman" panose="02020603050405020304" pitchFamily="18" charset="0"/>
-                      </a:endParaRPr>
-                    </a:p>
-                  </a:txBody>
-                  <a:tcPr marL="68580" marR="68580" marT="0" marB="0" anchor="ctr"/>
-                </a:tc>
-                <a:tc>
-                  <a:txBody>
-                    <a:bodyPr/>
-                    <a:lstStyle/>
-                    <a:p>
-                      <a:pPr marL="0" marR="0" lvl="0" indent="0" algn="l" defTabSz="914400" rtl="0" eaLnBrk="1" fontAlgn="auto" latinLnBrk="0" hangingPunct="1">
-                        <a:lnSpc>
-                          <a:spcPct val="100000"/>
-                        </a:lnSpc>
-                        <a:spcBef>
-                          <a:spcPts val="0"/>
-                        </a:spcBef>
-                        <a:spcAft>
-                          <a:spcPts val="0"/>
-                        </a:spcAft>
-                        <a:buClrTx/>
-                        <a:buSzTx/>
-                        <a:buFontTx/>
-                        <a:buNone/>
-                        <a:tabLst/>
-                        <a:defRPr/>
-                      </a:pPr>
-                      <a:r>
-                        <a:rPr kumimoji="0" lang="de-DE" sz="1400" b="0" i="0" u="none" strike="noStrike" kern="1200" cap="none" spc="0" normalizeH="0" baseline="0" noProof="0">
-                          <a:ln>
-                            <a:noFill/>
-                          </a:ln>
-                          <a:solidFill>
-                            <a:srgbClr val="000000"/>
-                          </a:solidFill>
-                          <a:effectLst/>
-                          <a:uLnTx/>
-                          <a:uFillTx/>
-                          <a:latin typeface="Arial"/>
-                          <a:ea typeface="+mn-ea"/>
-                          <a:cs typeface="+mn-cs"/>
-                        </a:rPr>
-                        <a:t>Präsenz</a:t>
-                      </a:r>
-                      <a:endParaRPr kumimoji="0" lang="de-DE" sz="1400" b="0" i="0" u="none" strike="noStrike" kern="1200" cap="none" spc="0" normalizeH="0" baseline="0" noProof="0" dirty="0">
-                        <a:ln>
-                          <a:noFill/>
-                        </a:ln>
-                        <a:solidFill>
-                          <a:srgbClr val="000000"/>
-                        </a:solidFill>
-                        <a:effectLst/>
-                        <a:uLnTx/>
-                        <a:uFillTx/>
-                        <a:latin typeface="Arial"/>
-                        <a:ea typeface="+mn-ea"/>
-                        <a:cs typeface="+mn-cs"/>
-                      </a:endParaRPr>
-                    </a:p>
-                  </a:txBody>
-                  <a:tcPr marL="68580" marR="68580" marT="0" marB="0" anchor="ctr"/>
-                </a:tc>
-                <a:tc>
-                  <a:txBody>
-                    <a:bodyPr/>
-                    <a:lstStyle/>
-                    <a:p>
-                      <a:pPr>
-                        <a:spcAft>
-                          <a:spcPts val="0"/>
-                        </a:spcAft>
-                      </a:pPr>
-                      <a:r>
-                        <a:rPr lang="de-DE" sz="1400" kern="1200">
-                          <a:solidFill>
-                            <a:srgbClr val="000000"/>
-                          </a:solidFill>
-                          <a:effectLst/>
-                          <a:latin typeface="Arial" panose="020B0604020202020204" pitchFamily="34" charset="0"/>
-                          <a:ea typeface="Times New Roman" panose="02020603050405020304" pitchFamily="18" charset="0"/>
-                          <a:cs typeface="Times New Roman" panose="02020603050405020304" pitchFamily="18" charset="0"/>
-                        </a:rPr>
-                        <a:t>Textanalyse Text 1: Einführung</a:t>
-                      </a:r>
-                      <a:endParaRPr lang="de-DE" sz="1800">
-                        <a:effectLst/>
-                        <a:latin typeface="Calibri" panose="020F0502020204030204" pitchFamily="34" charset="0"/>
-                        <a:ea typeface="Times New Roman" panose="02020603050405020304" pitchFamily="18" charset="0"/>
-                        <a:cs typeface="Times New Roman" panose="02020603050405020304" pitchFamily="18" charset="0"/>
-                      </a:endParaRPr>
-                    </a:p>
-                  </a:txBody>
-                  <a:tcPr marL="68580" marR="68580" marT="0" marB="0" anchor="ctr"/>
-                </a:tc>
-                <a:extLst>
-                  <a:ext uri="{0D108BD9-81ED-4DB2-BD59-A6C34878D82A}">
-                    <a16:rowId xmlns:a16="http://schemas.microsoft.com/office/drawing/2014/main" val="1376194946"/>
-                  </a:ext>
-                </a:extLst>
-              </a:tr>
-              <a:tr h="0">
-                <a:tc>
-                  <a:txBody>
-                    <a:bodyPr/>
-                    <a:lstStyle/>
-                    <a:p>
-                      <a:pPr algn="ctr">
-                        <a:lnSpc>
-                          <a:spcPct val="107000"/>
-                        </a:lnSpc>
-                        <a:spcAft>
-                          <a:spcPts val="0"/>
-                        </a:spcAft>
-                      </a:pPr>
-                      <a:r>
-                        <a:rPr lang="de-DE" sz="1400" i="1" dirty="0">
-                          <a:effectLst/>
-                        </a:rPr>
-                        <a:t>30.11.21</a:t>
-                      </a:r>
-                      <a:endParaRPr lang="de-DE" sz="1800" i="1" dirty="0">
-                        <a:effectLst/>
-                        <a:latin typeface="Calibri" panose="020F0502020204030204" pitchFamily="34" charset="0"/>
-                        <a:ea typeface="Calibri" panose="020F0502020204030204" pitchFamily="34" charset="0"/>
-                        <a:cs typeface="Times New Roman" panose="02020603050405020304" pitchFamily="18" charset="0"/>
-                      </a:endParaRPr>
-                    </a:p>
-                  </a:txBody>
-                  <a:tcPr marL="68580" marR="68580" marT="0" marB="0" anchor="ctr"/>
-                </a:tc>
-                <a:tc>
-                  <a:txBody>
-                    <a:bodyPr/>
-                    <a:lstStyle/>
-                    <a:p>
-                      <a:pPr marL="0" marR="0" lvl="0" indent="0" algn="l" defTabSz="914400" rtl="0" eaLnBrk="1" fontAlgn="auto" latinLnBrk="0" hangingPunct="1">
-                        <a:lnSpc>
-                          <a:spcPct val="100000"/>
-                        </a:lnSpc>
-                        <a:spcBef>
-                          <a:spcPts val="0"/>
-                        </a:spcBef>
-                        <a:spcAft>
-                          <a:spcPts val="0"/>
-                        </a:spcAft>
-                        <a:buClrTx/>
-                        <a:buSzTx/>
-                        <a:buFontTx/>
-                        <a:buNone/>
-                        <a:tabLst/>
-                        <a:defRPr/>
-                      </a:pPr>
-                      <a:r>
-                        <a:rPr kumimoji="0" lang="de-DE" sz="1400" b="0" i="1" u="none" strike="noStrike" kern="1200" cap="none" spc="0" normalizeH="0" baseline="0" noProof="0" dirty="0">
-                          <a:ln>
-                            <a:noFill/>
-                          </a:ln>
-                          <a:solidFill>
-                            <a:srgbClr val="000000"/>
-                          </a:solidFill>
-                          <a:effectLst/>
-                          <a:uLnTx/>
-                          <a:uFillTx/>
-                          <a:latin typeface="Arial"/>
-                          <a:ea typeface="+mn-ea"/>
-                          <a:cs typeface="+mn-cs"/>
-                        </a:rPr>
-                        <a:t>Asynchron</a:t>
-                      </a:r>
-                    </a:p>
-                  </a:txBody>
-                  <a:tcPr/>
-                </a:tc>
-                <a:tc>
-                  <a:txBody>
-                    <a:bodyPr/>
-                    <a:lstStyle/>
-                    <a:p>
-                      <a:pPr>
-                        <a:spcAft>
-                          <a:spcPts val="0"/>
-                        </a:spcAft>
-                      </a:pPr>
-                      <a:r>
-                        <a:rPr lang="de-DE" sz="1400" i="1" kern="1200" dirty="0">
-                          <a:solidFill>
-                            <a:srgbClr val="000000"/>
-                          </a:solidFill>
-                          <a:effectLst/>
-                          <a:latin typeface="Arial" panose="020B0604020202020204" pitchFamily="34" charset="0"/>
-                          <a:ea typeface="Times New Roman" panose="02020603050405020304" pitchFamily="18" charset="0"/>
-                          <a:cs typeface="Times New Roman" panose="02020603050405020304" pitchFamily="18" charset="0"/>
-                        </a:rPr>
-                        <a:t>Textanalyse Text 1: Analyseerstellung</a:t>
-                      </a:r>
-                      <a:endParaRPr lang="de-DE" sz="1800" i="1" dirty="0">
-                        <a:effectLst/>
-                        <a:latin typeface="Calibri" panose="020F0502020204030204" pitchFamily="34" charset="0"/>
-                        <a:ea typeface="Times New Roman" panose="02020603050405020304" pitchFamily="18" charset="0"/>
-                        <a:cs typeface="Times New Roman" panose="02020603050405020304" pitchFamily="18" charset="0"/>
-                      </a:endParaRPr>
-                    </a:p>
-                  </a:txBody>
-                  <a:tcPr marL="68580" marR="68580" marT="0" marB="0" anchor="ctr"/>
-                </a:tc>
-                <a:extLst>
-                  <a:ext uri="{0D108BD9-81ED-4DB2-BD59-A6C34878D82A}">
-                    <a16:rowId xmlns:a16="http://schemas.microsoft.com/office/drawing/2014/main" val="1789450073"/>
-                  </a:ext>
-                </a:extLst>
-              </a:tr>
-              <a:tr h="0">
-                <a:tc>
-                  <a:txBody>
-                    <a:bodyPr/>
-                    <a:lstStyle/>
-                    <a:p>
-                      <a:pPr algn="ctr">
-                        <a:lnSpc>
-                          <a:spcPct val="107000"/>
-                        </a:lnSpc>
-                        <a:spcAft>
-                          <a:spcPts val="0"/>
-                        </a:spcAft>
-                      </a:pPr>
-                      <a:r>
-                        <a:rPr lang="de-DE" sz="1400" dirty="0">
-                          <a:effectLst/>
-                        </a:rPr>
-                        <a:t>07.12.21</a:t>
-                      </a:r>
-                      <a:endParaRPr lang="de-DE" sz="1800" dirty="0">
-                        <a:effectLst/>
-                        <a:latin typeface="Calibri" panose="020F0502020204030204" pitchFamily="34" charset="0"/>
-                        <a:ea typeface="Calibri" panose="020F0502020204030204" pitchFamily="34" charset="0"/>
-                        <a:cs typeface="Times New Roman" panose="02020603050405020304" pitchFamily="18" charset="0"/>
-                      </a:endParaRPr>
-                    </a:p>
-                  </a:txBody>
-                  <a:tcPr marL="68580" marR="68580" marT="0" marB="0" anchor="ctr"/>
-                </a:tc>
-                <a:tc>
-                  <a:txBody>
-                    <a:bodyPr/>
-                    <a:lstStyle/>
-                    <a:p>
-                      <a:pPr marL="0" marR="0" lvl="0" indent="0" algn="l" defTabSz="914400" rtl="0" eaLnBrk="1" fontAlgn="auto" latinLnBrk="0" hangingPunct="1">
-                        <a:lnSpc>
-                          <a:spcPct val="100000"/>
-                        </a:lnSpc>
-                        <a:spcBef>
-                          <a:spcPts val="0"/>
-                        </a:spcBef>
-                        <a:spcAft>
-                          <a:spcPts val="0"/>
-                        </a:spcAft>
-                        <a:buClrTx/>
-                        <a:buSzTx/>
-                        <a:buFontTx/>
-                        <a:buNone/>
-                        <a:tabLst/>
-                        <a:defRPr/>
-                      </a:pPr>
-                      <a:r>
-                        <a:rPr kumimoji="0" lang="de-DE" sz="1400" b="0" i="0" u="none" strike="noStrike" kern="1200" cap="none" spc="0" normalizeH="0" baseline="0" noProof="0">
-                          <a:ln>
-                            <a:noFill/>
-                          </a:ln>
-                          <a:solidFill>
-                            <a:srgbClr val="000000"/>
-                          </a:solidFill>
-                          <a:effectLst/>
-                          <a:uLnTx/>
-                          <a:uFillTx/>
-                          <a:latin typeface="Arial"/>
-                          <a:ea typeface="+mn-ea"/>
-                          <a:cs typeface="+mn-cs"/>
-                        </a:rPr>
-                        <a:t>Präsenz</a:t>
-                      </a:r>
-                      <a:endParaRPr kumimoji="0" lang="de-DE" sz="1400" b="0" i="0" u="none" strike="noStrike" kern="1200" cap="none" spc="0" normalizeH="0" baseline="0" noProof="0" dirty="0">
-                        <a:ln>
-                          <a:noFill/>
-                        </a:ln>
-                        <a:solidFill>
-                          <a:srgbClr val="000000"/>
-                        </a:solidFill>
-                        <a:effectLst/>
-                        <a:uLnTx/>
-                        <a:uFillTx/>
-                        <a:latin typeface="Arial"/>
-                        <a:ea typeface="+mn-ea"/>
-                        <a:cs typeface="+mn-cs"/>
-                      </a:endParaRPr>
-                    </a:p>
-                  </a:txBody>
-                  <a:tcPr/>
-                </a:tc>
-                <a:tc>
-                  <a:txBody>
-                    <a:bodyPr/>
-                    <a:lstStyle/>
-                    <a:p>
-                      <a:pPr>
-                        <a:spcAft>
-                          <a:spcPts val="0"/>
-                        </a:spcAft>
-                      </a:pPr>
-                      <a:r>
-                        <a:rPr lang="de-DE" sz="1400" kern="1200">
-                          <a:solidFill>
-                            <a:srgbClr val="000000"/>
-                          </a:solidFill>
-                          <a:effectLst/>
-                          <a:latin typeface="Arial" panose="020B0604020202020204" pitchFamily="34" charset="0"/>
-                          <a:ea typeface="Times New Roman" panose="02020603050405020304" pitchFamily="18" charset="0"/>
-                          <a:cs typeface="Times New Roman" panose="02020603050405020304" pitchFamily="18" charset="0"/>
-                        </a:rPr>
-                        <a:t>Textanalyse Text 1: Besprechung &amp; Überarbeitung</a:t>
-                      </a:r>
-                      <a:endParaRPr lang="de-DE" sz="1800">
-                        <a:effectLst/>
-                        <a:latin typeface="Calibri" panose="020F0502020204030204" pitchFamily="34" charset="0"/>
-                        <a:ea typeface="Times New Roman" panose="02020603050405020304" pitchFamily="18" charset="0"/>
-                        <a:cs typeface="Times New Roman" panose="02020603050405020304" pitchFamily="18" charset="0"/>
-                      </a:endParaRPr>
-                    </a:p>
-                  </a:txBody>
-                  <a:tcPr marL="68580" marR="68580" marT="0" marB="0" anchor="ctr"/>
-                </a:tc>
-                <a:extLst>
-                  <a:ext uri="{0D108BD9-81ED-4DB2-BD59-A6C34878D82A}">
-                    <a16:rowId xmlns:a16="http://schemas.microsoft.com/office/drawing/2014/main" val="1308956791"/>
-                  </a:ext>
-                </a:extLst>
-              </a:tr>
-              <a:tr h="0">
-                <a:tc>
-                  <a:txBody>
-                    <a:bodyPr/>
-                    <a:lstStyle/>
-                    <a:p>
-                      <a:pPr algn="ctr">
-                        <a:lnSpc>
-                          <a:spcPct val="107000"/>
-                        </a:lnSpc>
-                        <a:spcAft>
-                          <a:spcPts val="0"/>
-                        </a:spcAft>
-                      </a:pPr>
-                      <a:r>
-                        <a:rPr lang="de-DE" sz="1400" dirty="0">
-                          <a:effectLst/>
-                        </a:rPr>
-                        <a:t>14.12.21</a:t>
-                      </a:r>
-                      <a:endParaRPr lang="de-DE" sz="1800" dirty="0">
-                        <a:effectLst/>
-                        <a:latin typeface="Calibri" panose="020F0502020204030204" pitchFamily="34" charset="0"/>
-                        <a:ea typeface="Calibri" panose="020F0502020204030204" pitchFamily="34" charset="0"/>
-                        <a:cs typeface="Times New Roman" panose="02020603050405020304" pitchFamily="18" charset="0"/>
-                      </a:endParaRPr>
-                    </a:p>
-                  </a:txBody>
-                  <a:tcPr marL="68580" marR="68580" marT="0" marB="0" anchor="ctr"/>
-                </a:tc>
-                <a:tc>
-                  <a:txBody>
-                    <a:bodyPr/>
-                    <a:lstStyle/>
-                    <a:p>
-                      <a:pPr marL="0" marR="0" lvl="0" indent="0" algn="l" defTabSz="914400" rtl="0" eaLnBrk="1" fontAlgn="auto" latinLnBrk="0" hangingPunct="1">
-                        <a:lnSpc>
-                          <a:spcPct val="100000"/>
-                        </a:lnSpc>
-                        <a:spcBef>
-                          <a:spcPts val="0"/>
-                        </a:spcBef>
-                        <a:spcAft>
-                          <a:spcPts val="0"/>
-                        </a:spcAft>
-                        <a:buClrTx/>
-                        <a:buSzTx/>
-                        <a:buFontTx/>
-                        <a:buNone/>
-                        <a:tabLst/>
-                        <a:defRPr/>
-                      </a:pPr>
-                      <a:r>
-                        <a:rPr kumimoji="0" lang="de-DE" sz="1400" b="0" i="0" u="none" strike="noStrike" kern="1200" cap="none" spc="0" normalizeH="0" baseline="0" noProof="0">
-                          <a:ln>
-                            <a:noFill/>
-                          </a:ln>
-                          <a:solidFill>
-                            <a:srgbClr val="000000"/>
-                          </a:solidFill>
-                          <a:effectLst/>
-                          <a:uLnTx/>
-                          <a:uFillTx/>
-                          <a:latin typeface="Arial"/>
-                          <a:ea typeface="+mn-ea"/>
-                          <a:cs typeface="+mn-cs"/>
-                        </a:rPr>
-                        <a:t>Präsenz</a:t>
-                      </a:r>
-                      <a:endParaRPr kumimoji="0" lang="de-DE" sz="1400" b="0" i="0" u="none" strike="noStrike" kern="1200" cap="none" spc="0" normalizeH="0" baseline="0" noProof="0" dirty="0">
-                        <a:ln>
-                          <a:noFill/>
-                        </a:ln>
-                        <a:solidFill>
-                          <a:srgbClr val="000000"/>
-                        </a:solidFill>
-                        <a:effectLst/>
-                        <a:uLnTx/>
-                        <a:uFillTx/>
-                        <a:latin typeface="Arial"/>
-                        <a:ea typeface="+mn-ea"/>
-                        <a:cs typeface="+mn-cs"/>
-                      </a:endParaRPr>
-                    </a:p>
-                  </a:txBody>
-                  <a:tcPr/>
-                </a:tc>
-                <a:tc>
-                  <a:txBody>
-                    <a:bodyPr/>
-                    <a:lstStyle/>
-                    <a:p>
-                      <a:pPr>
-                        <a:spcAft>
-                          <a:spcPts val="0"/>
-                        </a:spcAft>
-                      </a:pPr>
-                      <a:r>
-                        <a:rPr lang="de-DE" sz="1400">
-                          <a:effectLst/>
-                          <a:latin typeface="Arial" panose="020B0604020202020204" pitchFamily="34" charset="0"/>
-                          <a:ea typeface="Times New Roman" panose="02020603050405020304" pitchFamily="18" charset="0"/>
-                          <a:cs typeface="Times New Roman" panose="02020603050405020304" pitchFamily="18" charset="0"/>
-                        </a:rPr>
-                        <a:t>Empirische Texte: Grundlagen</a:t>
-                      </a:r>
-                      <a:endParaRPr lang="de-DE" sz="1800">
-                        <a:effectLst/>
-                        <a:latin typeface="Calibri" panose="020F0502020204030204" pitchFamily="34" charset="0"/>
-                        <a:ea typeface="Times New Roman" panose="02020603050405020304" pitchFamily="18" charset="0"/>
-                        <a:cs typeface="Times New Roman" panose="02020603050405020304" pitchFamily="18" charset="0"/>
-                      </a:endParaRPr>
-                    </a:p>
-                  </a:txBody>
-                  <a:tcPr marL="68580" marR="68580" marT="0" marB="0" anchor="ctr"/>
-                </a:tc>
-                <a:extLst>
-                  <a:ext uri="{0D108BD9-81ED-4DB2-BD59-A6C34878D82A}">
-                    <a16:rowId xmlns:a16="http://schemas.microsoft.com/office/drawing/2014/main" val="4082437793"/>
-                  </a:ext>
-                </a:extLst>
-              </a:tr>
-              <a:tr h="0">
-                <a:tc>
-                  <a:txBody>
-                    <a:bodyPr/>
-                    <a:lstStyle/>
-                    <a:p>
-                      <a:pPr algn="ctr">
-                        <a:lnSpc>
-                          <a:spcPct val="107000"/>
-                        </a:lnSpc>
-                        <a:spcAft>
-                          <a:spcPts val="0"/>
-                        </a:spcAft>
-                      </a:pPr>
-                      <a:r>
-                        <a:rPr lang="de-DE" sz="1400" dirty="0">
-                          <a:effectLst/>
-                        </a:rPr>
-                        <a:t>21.12.21</a:t>
-                      </a:r>
-                      <a:endParaRPr lang="de-DE" sz="1800" dirty="0">
-                        <a:effectLst/>
-                        <a:latin typeface="Calibri" panose="020F0502020204030204" pitchFamily="34" charset="0"/>
-                        <a:ea typeface="Calibri" panose="020F0502020204030204" pitchFamily="34" charset="0"/>
-                        <a:cs typeface="Times New Roman" panose="02020603050405020304" pitchFamily="18" charset="0"/>
-                      </a:endParaRPr>
-                    </a:p>
-                  </a:txBody>
-                  <a:tcPr marL="68580" marR="68580" marT="0" marB="0" anchor="ctr"/>
-                </a:tc>
-                <a:tc>
-                  <a:txBody>
-                    <a:bodyPr/>
-                    <a:lstStyle/>
-                    <a:p>
-                      <a:pPr marL="0" marR="0" lvl="0" indent="0" algn="l" defTabSz="914400" rtl="0" eaLnBrk="1" fontAlgn="auto" latinLnBrk="0" hangingPunct="1">
-                        <a:lnSpc>
-                          <a:spcPct val="100000"/>
-                        </a:lnSpc>
-                        <a:spcBef>
-                          <a:spcPts val="0"/>
-                        </a:spcBef>
-                        <a:spcAft>
-                          <a:spcPts val="0"/>
-                        </a:spcAft>
-                        <a:buClrTx/>
-                        <a:buSzTx/>
-                        <a:buFontTx/>
-                        <a:buNone/>
-                        <a:tabLst/>
-                        <a:defRPr/>
-                      </a:pPr>
-                      <a:r>
-                        <a:rPr kumimoji="0" lang="de-DE" sz="1400" b="0" i="0" u="none" strike="noStrike" kern="1200" cap="none" spc="0" normalizeH="0" baseline="0" noProof="0">
-                          <a:ln>
-                            <a:noFill/>
-                          </a:ln>
-                          <a:solidFill>
-                            <a:srgbClr val="000000"/>
-                          </a:solidFill>
-                          <a:effectLst/>
-                          <a:uLnTx/>
-                          <a:uFillTx/>
-                          <a:latin typeface="Arial"/>
-                          <a:ea typeface="+mn-ea"/>
-                          <a:cs typeface="+mn-cs"/>
-                        </a:rPr>
-                        <a:t>Präsenz</a:t>
-                      </a:r>
-                      <a:endParaRPr kumimoji="0" lang="de-DE" sz="1400" b="0" i="0" u="none" strike="noStrike" kern="1200" cap="none" spc="0" normalizeH="0" baseline="0" noProof="0" dirty="0">
-                        <a:ln>
-                          <a:noFill/>
-                        </a:ln>
-                        <a:solidFill>
-                          <a:srgbClr val="000000"/>
-                        </a:solidFill>
-                        <a:effectLst/>
-                        <a:uLnTx/>
-                        <a:uFillTx/>
-                        <a:latin typeface="Arial"/>
-                        <a:ea typeface="+mn-ea"/>
-                        <a:cs typeface="+mn-cs"/>
-                      </a:endParaRPr>
-                    </a:p>
-                  </a:txBody>
-                  <a:tcPr/>
-                </a:tc>
-                <a:tc>
-                  <a:txBody>
-                    <a:bodyPr/>
-                    <a:lstStyle/>
-                    <a:p>
-                      <a:pPr>
-                        <a:spcAft>
-                          <a:spcPts val="0"/>
-                        </a:spcAft>
-                      </a:pPr>
-                      <a:r>
-                        <a:rPr lang="de-DE" sz="1400" kern="1200">
-                          <a:solidFill>
-                            <a:srgbClr val="000000"/>
-                          </a:solidFill>
-                          <a:effectLst/>
-                          <a:latin typeface="Arial" panose="020B0604020202020204" pitchFamily="34" charset="0"/>
-                          <a:ea typeface="Times New Roman" panose="02020603050405020304" pitchFamily="18" charset="0"/>
-                          <a:cs typeface="Times New Roman" panose="02020603050405020304" pitchFamily="18" charset="0"/>
-                        </a:rPr>
-                        <a:t>Textanalyse Text 2: Einführung</a:t>
-                      </a:r>
-                      <a:endParaRPr lang="de-DE" sz="1800">
-                        <a:effectLst/>
-                        <a:latin typeface="Calibri" panose="020F0502020204030204" pitchFamily="34" charset="0"/>
-                        <a:ea typeface="Times New Roman" panose="02020603050405020304" pitchFamily="18" charset="0"/>
-                        <a:cs typeface="Times New Roman" panose="02020603050405020304" pitchFamily="18" charset="0"/>
-                      </a:endParaRPr>
-                    </a:p>
-                  </a:txBody>
-                  <a:tcPr marL="68580" marR="68580" marT="0" marB="0" anchor="ctr"/>
-                </a:tc>
-                <a:extLst>
-                  <a:ext uri="{0D108BD9-81ED-4DB2-BD59-A6C34878D82A}">
-                    <a16:rowId xmlns:a16="http://schemas.microsoft.com/office/drawing/2014/main" val="265795156"/>
-                  </a:ext>
-                </a:extLst>
-              </a:tr>
-              <a:tr h="0">
-                <a:tc>
-                  <a:txBody>
-                    <a:bodyPr/>
-                    <a:lstStyle/>
-                    <a:p>
-                      <a:pPr algn="ctr">
-                        <a:lnSpc>
-                          <a:spcPct val="107000"/>
-                        </a:lnSpc>
-                        <a:spcAft>
-                          <a:spcPts val="0"/>
-                        </a:spcAft>
-                      </a:pPr>
-                      <a:r>
-                        <a:rPr lang="de-DE" sz="1400" i="1" dirty="0">
-                          <a:effectLst/>
-                        </a:rPr>
-                        <a:t>11.01.22</a:t>
-                      </a:r>
-                      <a:endParaRPr lang="de-DE" sz="1800" i="1" dirty="0">
-                        <a:effectLst/>
-                        <a:latin typeface="Calibri" panose="020F0502020204030204" pitchFamily="34" charset="0"/>
-                        <a:ea typeface="Calibri" panose="020F0502020204030204" pitchFamily="34" charset="0"/>
-                        <a:cs typeface="Times New Roman" panose="02020603050405020304" pitchFamily="18" charset="0"/>
-                      </a:endParaRPr>
-                    </a:p>
-                  </a:txBody>
-                  <a:tcPr marL="68580" marR="68580" marT="0" marB="0" anchor="ctr"/>
-                </a:tc>
-                <a:tc>
-                  <a:txBody>
-                    <a:bodyPr/>
-                    <a:lstStyle/>
-                    <a:p>
-                      <a:pPr marL="0" marR="0" lvl="0" indent="0" algn="l" defTabSz="914400" rtl="0" eaLnBrk="1" fontAlgn="auto" latinLnBrk="0" hangingPunct="1">
-                        <a:lnSpc>
-                          <a:spcPct val="100000"/>
-                        </a:lnSpc>
-                        <a:spcBef>
-                          <a:spcPts val="0"/>
-                        </a:spcBef>
-                        <a:spcAft>
-                          <a:spcPts val="0"/>
-                        </a:spcAft>
-                        <a:buClrTx/>
-                        <a:buSzTx/>
-                        <a:buFontTx/>
-                        <a:buNone/>
-                        <a:tabLst/>
-                        <a:defRPr/>
-                      </a:pPr>
-                      <a:r>
-                        <a:rPr kumimoji="0" lang="de-DE" sz="1400" b="0" i="1" u="none" strike="noStrike" kern="1200" cap="none" spc="0" normalizeH="0" baseline="0" noProof="0" dirty="0">
-                          <a:ln>
-                            <a:noFill/>
-                          </a:ln>
-                          <a:solidFill>
-                            <a:srgbClr val="000000"/>
-                          </a:solidFill>
-                          <a:effectLst/>
-                          <a:uLnTx/>
-                          <a:uFillTx/>
-                          <a:latin typeface="Arial"/>
-                          <a:ea typeface="+mn-ea"/>
-                          <a:cs typeface="+mn-cs"/>
-                        </a:rPr>
-                        <a:t>Asynchron</a:t>
-                      </a:r>
-                    </a:p>
-                  </a:txBody>
-                  <a:tcPr/>
-                </a:tc>
-                <a:tc>
-                  <a:txBody>
-                    <a:bodyPr/>
-                    <a:lstStyle/>
-                    <a:p>
-                      <a:pPr>
-                        <a:spcAft>
-                          <a:spcPts val="0"/>
-                        </a:spcAft>
-                      </a:pPr>
-                      <a:r>
-                        <a:rPr lang="de-DE" sz="1400" i="1" kern="1200" dirty="0">
-                          <a:solidFill>
-                            <a:srgbClr val="000000"/>
-                          </a:solidFill>
-                          <a:effectLst/>
-                          <a:latin typeface="Arial" panose="020B0604020202020204" pitchFamily="34" charset="0"/>
-                          <a:ea typeface="Times New Roman" panose="02020603050405020304" pitchFamily="18" charset="0"/>
-                          <a:cs typeface="Times New Roman" panose="02020603050405020304" pitchFamily="18" charset="0"/>
-                        </a:rPr>
-                        <a:t>Textanalyse Text 2: Analyseerstellung</a:t>
-                      </a:r>
-                      <a:endParaRPr lang="de-DE" sz="1800" i="1" dirty="0">
-                        <a:effectLst/>
-                        <a:latin typeface="Calibri" panose="020F0502020204030204" pitchFamily="34" charset="0"/>
-                        <a:ea typeface="Times New Roman" panose="02020603050405020304" pitchFamily="18" charset="0"/>
-                        <a:cs typeface="Times New Roman" panose="02020603050405020304" pitchFamily="18" charset="0"/>
-                      </a:endParaRPr>
-                    </a:p>
-                  </a:txBody>
-                  <a:tcPr marL="68580" marR="68580" marT="0" marB="0" anchor="ctr"/>
-                </a:tc>
-                <a:extLst>
-                  <a:ext uri="{0D108BD9-81ED-4DB2-BD59-A6C34878D82A}">
-                    <a16:rowId xmlns:a16="http://schemas.microsoft.com/office/drawing/2014/main" val="3493400335"/>
-                  </a:ext>
-                </a:extLst>
-              </a:tr>
-              <a:tr h="0">
-                <a:tc>
-                  <a:txBody>
-                    <a:bodyPr/>
-                    <a:lstStyle/>
-                    <a:p>
-                      <a:pPr algn="ctr">
-                        <a:lnSpc>
-                          <a:spcPct val="107000"/>
-                        </a:lnSpc>
-                        <a:spcAft>
-                          <a:spcPts val="0"/>
-                        </a:spcAft>
-                      </a:pPr>
-                      <a:r>
-                        <a:rPr lang="de-DE" sz="1400" dirty="0">
-                          <a:effectLst/>
-                        </a:rPr>
-                        <a:t>18.01.22</a:t>
-                      </a:r>
-                      <a:endParaRPr lang="de-DE" sz="1800" dirty="0">
-                        <a:effectLst/>
-                        <a:latin typeface="Calibri" panose="020F0502020204030204" pitchFamily="34" charset="0"/>
-                        <a:ea typeface="Calibri" panose="020F0502020204030204" pitchFamily="34" charset="0"/>
-                        <a:cs typeface="Times New Roman" panose="02020603050405020304" pitchFamily="18" charset="0"/>
-                      </a:endParaRPr>
-                    </a:p>
-                  </a:txBody>
-                  <a:tcPr marL="68580" marR="68580" marT="0" marB="0" anchor="ctr"/>
-                </a:tc>
-                <a:tc>
-                  <a:txBody>
-                    <a:bodyPr/>
-                    <a:lstStyle/>
-                    <a:p>
-                      <a:pPr marL="0" marR="0" lvl="0" indent="0" algn="l" defTabSz="914400" rtl="0" eaLnBrk="1" fontAlgn="auto" latinLnBrk="0" hangingPunct="1">
-                        <a:lnSpc>
-                          <a:spcPct val="100000"/>
-                        </a:lnSpc>
-                        <a:spcBef>
-                          <a:spcPts val="0"/>
-                        </a:spcBef>
-                        <a:spcAft>
-                          <a:spcPts val="0"/>
-                        </a:spcAft>
-                        <a:buClrTx/>
-                        <a:buSzTx/>
-                        <a:buFontTx/>
-                        <a:buNone/>
-                        <a:tabLst/>
-                        <a:defRPr/>
-                      </a:pPr>
-                      <a:r>
-                        <a:rPr kumimoji="0" lang="de-DE" sz="1400" b="0" i="0" u="none" strike="noStrike" kern="1200" cap="none" spc="0" normalizeH="0" baseline="0" noProof="0" dirty="0">
-                          <a:ln>
-                            <a:noFill/>
-                          </a:ln>
-                          <a:solidFill>
-                            <a:srgbClr val="000000"/>
-                          </a:solidFill>
-                          <a:effectLst/>
-                          <a:uLnTx/>
-                          <a:uFillTx/>
-                          <a:latin typeface="Arial"/>
-                          <a:ea typeface="+mn-ea"/>
-                          <a:cs typeface="+mn-cs"/>
-                        </a:rPr>
-                        <a:t>Präsenz</a:t>
-                      </a:r>
-                    </a:p>
-                  </a:txBody>
-                  <a:tcPr/>
-                </a:tc>
-                <a:tc>
-                  <a:txBody>
-                    <a:bodyPr/>
-                    <a:lstStyle/>
-                    <a:p>
-                      <a:pPr>
-                        <a:spcAft>
-                          <a:spcPts val="0"/>
-                        </a:spcAft>
-                      </a:pPr>
-                      <a:r>
-                        <a:rPr lang="de-DE" sz="1400" kern="1200" dirty="0">
-                          <a:solidFill>
-                            <a:srgbClr val="000000"/>
-                          </a:solidFill>
-                          <a:effectLst/>
-                          <a:latin typeface="Arial" panose="020B0604020202020204" pitchFamily="34" charset="0"/>
-                          <a:ea typeface="Times New Roman" panose="02020603050405020304" pitchFamily="18" charset="0"/>
-                          <a:cs typeface="Times New Roman" panose="02020603050405020304" pitchFamily="18" charset="0"/>
-                        </a:rPr>
-                        <a:t>Textanalyse Text 2: Besprechung &amp; Überarbeitung</a:t>
-                      </a:r>
-                      <a:endParaRPr lang="de-DE" sz="1800" dirty="0">
-                        <a:effectLst/>
-                        <a:latin typeface="Calibri" panose="020F0502020204030204" pitchFamily="34" charset="0"/>
-                        <a:ea typeface="Times New Roman" panose="02020603050405020304" pitchFamily="18" charset="0"/>
-                        <a:cs typeface="Times New Roman" panose="02020603050405020304" pitchFamily="18" charset="0"/>
-                      </a:endParaRPr>
-                    </a:p>
-                  </a:txBody>
-                  <a:tcPr marL="68580" marR="68580" marT="0" marB="0" anchor="ctr"/>
-                </a:tc>
-                <a:extLst>
-                  <a:ext uri="{0D108BD9-81ED-4DB2-BD59-A6C34878D82A}">
-                    <a16:rowId xmlns:a16="http://schemas.microsoft.com/office/drawing/2014/main" val="3136741709"/>
-                  </a:ext>
-                </a:extLst>
-              </a:tr>
-              <a:tr h="0">
-                <a:tc>
-                  <a:txBody>
-                    <a:bodyPr/>
-                    <a:lstStyle/>
-                    <a:p>
-                      <a:pPr algn="ctr">
-                        <a:lnSpc>
-                          <a:spcPct val="107000"/>
-                        </a:lnSpc>
-                        <a:spcAft>
-                          <a:spcPts val="0"/>
-                        </a:spcAft>
-                      </a:pPr>
-                      <a:r>
-                        <a:rPr lang="de-DE" sz="1400" dirty="0">
-                          <a:effectLst/>
-                        </a:rPr>
-                        <a:t>25.01.22</a:t>
-                      </a:r>
-                      <a:endParaRPr lang="de-DE" sz="1800" dirty="0">
-                        <a:effectLst/>
-                        <a:latin typeface="Calibri" panose="020F0502020204030204" pitchFamily="34" charset="0"/>
-                        <a:ea typeface="Calibri" panose="020F0502020204030204" pitchFamily="34" charset="0"/>
-                        <a:cs typeface="Times New Roman" panose="02020603050405020304" pitchFamily="18" charset="0"/>
-                      </a:endParaRPr>
-                    </a:p>
-                  </a:txBody>
-                  <a:tcPr marL="68580" marR="68580" marT="0" marB="0" anchor="ctr"/>
-                </a:tc>
-                <a:tc>
-                  <a:txBody>
-                    <a:bodyPr/>
-                    <a:lstStyle/>
-                    <a:p>
-                      <a:pPr>
-                        <a:lnSpc>
-                          <a:spcPct val="100000"/>
-                        </a:lnSpc>
-                      </a:pPr>
-                      <a:r>
-                        <a:rPr lang="de-DE" sz="1400" dirty="0"/>
-                        <a:t>Digital (Zoom)</a:t>
-                      </a:r>
-                    </a:p>
-                  </a:txBody>
-                  <a:tcPr/>
-                </a:tc>
-                <a:tc>
-                  <a:txBody>
-                    <a:bodyPr/>
-                    <a:lstStyle/>
-                    <a:p>
-                      <a:pPr>
-                        <a:spcAft>
-                          <a:spcPts val="0"/>
-                        </a:spcAft>
-                      </a:pPr>
-                      <a:r>
-                        <a:rPr lang="de-DE" sz="1400">
-                          <a:effectLst/>
-                          <a:latin typeface="Arial" panose="020B0604020202020204" pitchFamily="34" charset="0"/>
-                          <a:ea typeface="Times New Roman" panose="02020603050405020304" pitchFamily="18" charset="0"/>
-                          <a:cs typeface="Times New Roman" panose="02020603050405020304" pitchFamily="18" charset="0"/>
-                        </a:rPr>
-                        <a:t>Individuelle Vorbesprechung Hausarbeiten</a:t>
-                      </a:r>
-                      <a:endParaRPr lang="de-DE" sz="1800">
-                        <a:effectLst/>
-                        <a:latin typeface="Calibri" panose="020F0502020204030204" pitchFamily="34" charset="0"/>
-                        <a:ea typeface="Times New Roman" panose="02020603050405020304" pitchFamily="18" charset="0"/>
-                        <a:cs typeface="Times New Roman" panose="02020603050405020304" pitchFamily="18" charset="0"/>
-                      </a:endParaRPr>
-                    </a:p>
-                  </a:txBody>
-                  <a:tcPr marL="68580" marR="68580" marT="0" marB="0" anchor="ctr"/>
-                </a:tc>
-                <a:extLst>
-                  <a:ext uri="{0D108BD9-81ED-4DB2-BD59-A6C34878D82A}">
-                    <a16:rowId xmlns:a16="http://schemas.microsoft.com/office/drawing/2014/main" val="2442086417"/>
-                  </a:ext>
-                </a:extLst>
-              </a:tr>
-              <a:tr h="0">
-                <a:tc>
-                  <a:txBody>
-                    <a:bodyPr/>
-                    <a:lstStyle/>
-                    <a:p>
-                      <a:pPr algn="ctr">
-                        <a:lnSpc>
-                          <a:spcPct val="107000"/>
-                        </a:lnSpc>
-                        <a:spcAft>
-                          <a:spcPts val="0"/>
-                        </a:spcAft>
-                      </a:pPr>
-                      <a:r>
-                        <a:rPr lang="de-DE" sz="1400" dirty="0">
-                          <a:effectLst/>
-                        </a:rPr>
-                        <a:t>01.02.22</a:t>
-                      </a:r>
-                      <a:endParaRPr lang="de-DE" sz="1800" dirty="0">
-                        <a:effectLst/>
-                        <a:latin typeface="Calibri" panose="020F0502020204030204" pitchFamily="34" charset="0"/>
-                        <a:ea typeface="Calibri" panose="020F0502020204030204" pitchFamily="34" charset="0"/>
-                        <a:cs typeface="Times New Roman" panose="02020603050405020304" pitchFamily="18" charset="0"/>
-                      </a:endParaRPr>
-                    </a:p>
-                  </a:txBody>
-                  <a:tcPr marL="68580" marR="68580" marT="0" marB="0" anchor="ctr"/>
-                </a:tc>
-                <a:tc>
-                  <a:txBody>
-                    <a:bodyPr/>
-                    <a:lstStyle/>
-                    <a:p>
-                      <a:pPr>
-                        <a:lnSpc>
-                          <a:spcPct val="100000"/>
-                        </a:lnSpc>
-                      </a:pPr>
-                      <a:r>
-                        <a:rPr lang="de-DE" sz="1400" dirty="0"/>
-                        <a:t>Digital (Zoom)</a:t>
-                      </a:r>
-                    </a:p>
-                  </a:txBody>
-                  <a:tcPr/>
-                </a:tc>
-                <a:tc>
-                  <a:txBody>
-                    <a:bodyPr/>
-                    <a:lstStyle/>
-                    <a:p>
-                      <a:pPr>
-                        <a:spcAft>
-                          <a:spcPts val="0"/>
-                        </a:spcAft>
-                      </a:pPr>
-                      <a:r>
-                        <a:rPr lang="de-DE" sz="1400" kern="1200" dirty="0">
-                          <a:solidFill>
-                            <a:srgbClr val="000000"/>
-                          </a:solidFill>
-                          <a:effectLst/>
-                          <a:latin typeface="Arial" panose="020B0604020202020204" pitchFamily="34" charset="0"/>
-                          <a:ea typeface="Times New Roman" panose="02020603050405020304" pitchFamily="18" charset="0"/>
-                          <a:cs typeface="Times New Roman" panose="02020603050405020304" pitchFamily="18" charset="0"/>
-                        </a:rPr>
-                        <a:t>Individuelle Vorbesprechung Hausarbeiten </a:t>
-                      </a:r>
-                      <a:endParaRPr lang="de-DE" sz="1800" dirty="0">
-                        <a:effectLst/>
-                        <a:latin typeface="Calibri" panose="020F0502020204030204" pitchFamily="34" charset="0"/>
-                        <a:ea typeface="Times New Roman" panose="02020603050405020304" pitchFamily="18" charset="0"/>
-                        <a:cs typeface="Times New Roman" panose="02020603050405020304" pitchFamily="18" charset="0"/>
-                      </a:endParaRPr>
-                    </a:p>
-                  </a:txBody>
-                  <a:tcPr marL="68580" marR="68580" marT="0" marB="0" anchor="ctr"/>
-                </a:tc>
-                <a:extLst>
-                  <a:ext uri="{0D108BD9-81ED-4DB2-BD59-A6C34878D82A}">
-                    <a16:rowId xmlns:a16="http://schemas.microsoft.com/office/drawing/2014/main" val="2935553277"/>
-                  </a:ext>
-                </a:extLst>
-              </a:tr>
-            </a:tbl>
-          </a:graphicData>
-        </a:graphic>
-      </p:graphicFrame>
-    </p:spTree>
-    <p:extLst>
-      <p:ext uri="{BB962C8B-B14F-4D97-AF65-F5344CB8AC3E}">
-        <p14:creationId xmlns:p14="http://schemas.microsoft.com/office/powerpoint/2010/main" val="3821793842"/>
-      </p:ext>
-    </p:extLst>
-  </p:cSld>
-  <p:clrMapOvr>
-    <a:masterClrMapping/>
-  </p:clrMapOvr>
-</p:sld>
-</file>
-
-<file path=ppt/slides/slide23.xml><?xml version="1.0" encoding="utf-8"?>
-<p:sld xmlns:a="http://schemas.openxmlformats.org/drawingml/2006/main" xmlns:r="http://schemas.openxmlformats.org/officeDocument/2006/relationships" xmlns:p="http://schemas.openxmlformats.org/presentationml/2006/main">
-  <p:cSld>
-    <p:spTree>
-      <p:nvGrpSpPr>
-        <p:cNvPr id="1" name=""/>
-        <p:cNvGrpSpPr/>
-        <p:nvPr/>
-      </p:nvGrpSpPr>
-      <p:grpSpPr>
-        <a:xfrm>
-          <a:off x="0" y="0"/>
-          <a:ext cx="0" cy="0"/>
-          <a:chOff x="0" y="0"/>
-          <a:chExt cx="0" cy="0"/>
-        </a:xfrm>
-      </p:grpSpPr>
-      <p:sp>
-        <p:nvSpPr>
-          <p:cNvPr id="2" name="Titel 1"/>
-          <p:cNvSpPr>
-            <a:spLocks noGrp="1"/>
-          </p:cNvSpPr>
-          <p:nvPr>
-            <p:ph type="title"/>
-          </p:nvPr>
-        </p:nvSpPr>
-        <p:spPr/>
-        <p:txBody>
-          <a:bodyPr/>
-          <a:lstStyle/>
-          <a:p>
-            <a:r>
-              <a:rPr lang="de-DE" dirty="0"/>
-              <a:t>Aufgaben zur Vorbereitung</a:t>
-            </a:r>
-          </a:p>
-        </p:txBody>
-      </p:sp>
-      <p:sp>
-        <p:nvSpPr>
-          <p:cNvPr id="3" name="Inhaltsplatzhalter 2"/>
-          <p:cNvSpPr>
-            <a:spLocks noGrp="1"/>
-          </p:cNvSpPr>
-          <p:nvPr>
-            <p:ph idx="1"/>
-          </p:nvPr>
-        </p:nvSpPr>
-        <p:spPr/>
-        <p:txBody>
-          <a:bodyPr/>
-          <a:lstStyle/>
-          <a:p>
-            <a:r>
-              <a:rPr lang="de-DE" dirty="0"/>
-              <a:t>Laden Sie sich die Seminarliteratur als </a:t>
-            </a:r>
-            <a:r>
-              <a:rPr lang="de-DE" dirty="0" err="1"/>
-              <a:t>ebook</a:t>
-            </a:r>
-            <a:r>
-              <a:rPr lang="de-DE" dirty="0"/>
-              <a:t> über die UB herunter!</a:t>
-            </a:r>
-          </a:p>
-          <a:p>
-            <a:endParaRPr lang="de-DE" dirty="0"/>
-          </a:p>
-          <a:p>
-            <a:r>
-              <a:rPr lang="de-DE" dirty="0"/>
-              <a:t>Lesen Sie den folgenden Text (in </a:t>
-            </a:r>
-            <a:r>
-              <a:rPr lang="de-DE" dirty="0" err="1"/>
-              <a:t>Moodle</a:t>
-            </a:r>
-            <a:r>
-              <a:rPr lang="de-DE" dirty="0"/>
-              <a:t>):</a:t>
-            </a:r>
-          </a:p>
-          <a:p>
-            <a:pPr marL="344487" lvl="1" indent="0">
-              <a:buNone/>
-            </a:pPr>
-            <a:r>
-              <a:rPr lang="de-DE" dirty="0"/>
-              <a:t>Vogel, Peter (1999): Der Theorie-Praxis-Konflikt in der Pädagogik als Deutungsmuster für den Studienalltag – oder Was lernt man eigentlich im wissenschaftlichen Studium? </a:t>
-            </a:r>
-            <a:r>
-              <a:rPr lang="de-DE" i="1" dirty="0"/>
-              <a:t>Pädagogischer Blick, 7</a:t>
-            </a:r>
-            <a:r>
-              <a:rPr lang="de-DE" dirty="0"/>
-              <a:t>(1), 34-40.</a:t>
-            </a:r>
-          </a:p>
-          <a:p>
-            <a:pPr lvl="1"/>
-            <a:endParaRPr lang="de-DE" dirty="0"/>
-          </a:p>
-          <a:p>
-            <a:endParaRPr lang="de-DE" dirty="0"/>
-          </a:p>
-          <a:p>
-            <a:endParaRPr lang="de-DE" dirty="0"/>
-          </a:p>
-        </p:txBody>
-      </p:sp>
-      <p:sp>
-        <p:nvSpPr>
-          <p:cNvPr id="4" name="Foliennummernplatzhalter 3"/>
-          <p:cNvSpPr>
-            <a:spLocks noGrp="1"/>
-          </p:cNvSpPr>
-          <p:nvPr>
-            <p:ph type="sldNum" sz="quarter" idx="10"/>
-          </p:nvPr>
-        </p:nvSpPr>
-        <p:spPr/>
-        <p:txBody>
-          <a:bodyPr/>
-          <a:lstStyle/>
-          <a:p>
-            <a:pPr>
-              <a:defRPr/>
-            </a:pPr>
-            <a:fld id="{2C23C119-43D2-4BB6-A9D1-9059390EACA3}" type="slidenum">
-              <a:rPr lang="de-DE" altLang="en-US" smtClean="0"/>
-              <a:pPr>
-                <a:defRPr/>
-              </a:pPr>
-              <a:t>23</a:t>
             </a:fld>
             <a:endParaRPr lang="de-DE" altLang="en-US"/>
           </a:p>
@@ -11403,7 +9535,7 @@
 </p:sld>
 </file>
 
-<file path=ppt/slides/slide24.xml><?xml version="1.0" encoding="utf-8"?>
+<file path=ppt/slides/slide23.xml><?xml version="1.0" encoding="utf-8"?>
 <p:sld xmlns:a="http://schemas.openxmlformats.org/drawingml/2006/main" xmlns:r="http://schemas.openxmlformats.org/officeDocument/2006/relationships" xmlns:p="http://schemas.openxmlformats.org/presentationml/2006/main">
   <p:cSld>
     <p:spTree>
@@ -11493,7 +9625,7 @@
 </p:sld>
 </file>
 
-<file path=ppt/slides/slide25.xml><?xml version="1.0" encoding="utf-8"?>
+<file path=ppt/slides/slide24.xml><?xml version="1.0" encoding="utf-8"?>
 <p:sld xmlns:a="http://schemas.openxmlformats.org/drawingml/2006/main" xmlns:r="http://schemas.openxmlformats.org/officeDocument/2006/relationships" xmlns:p="http://schemas.openxmlformats.org/presentationml/2006/main">
   <p:cSld>
     <p:spTree>
@@ -11557,7 +9689,7 @@
               <a:pPr>
                 <a:defRPr/>
               </a:pPr>
-              <a:t>25</a:t>
+              <a:t>24</a:t>
             </a:fld>
             <a:endParaRPr lang="en-US"/>
           </a:p>
